--- a/slides/S4_analysis_0521.pptx
+++ b/slides/S4_analysis_0521.pptx
@@ -273,7 +273,7 @@
               <a:pPr>
                 <a:defRPr/>
               </a:pPr>
-              <a:t>2015/5/21</a:t>
+              <a:t>16/3/25</a:t>
             </a:fld>
             <a:endParaRPr lang="zh-CN" altLang="en-US"/>
           </a:p>
@@ -796,14 +796,14 @@
           </a:ln>
           <a:extLst>
             <a:ext uri="{909E8E84-426E-40dd-AFC4-6F175D3DCCD1}">
-              <a14:hiddenFill xmlns:a14="http://schemas.microsoft.com/office/drawing/2010/main" xmlns="">
+              <a14:hiddenFill xmlns="" xmlns:a14="http://schemas.microsoft.com/office/drawing/2010/main">
                 <a:solidFill>
                   <a:srgbClr val="FFFFFF"/>
                 </a:solidFill>
               </a14:hiddenFill>
             </a:ext>
             <a:ext uri="{91240B29-F687-4f45-9708-019B960494DF}">
-              <a14:hiddenLine xmlns:a14="http://schemas.microsoft.com/office/drawing/2010/main" xmlns="" w="9525">
+              <a14:hiddenLine xmlns="" xmlns:a14="http://schemas.microsoft.com/office/drawing/2010/main" w="9525">
                 <a:solidFill>
                   <a:srgbClr val="000000"/>
                 </a:solidFill>
@@ -902,14 +902,14 @@
           </a:ln>
           <a:extLst>
             <a:ext uri="{909E8E84-426E-40dd-AFC4-6F175D3DCCD1}">
-              <a14:hiddenFill xmlns:a14="http://schemas.microsoft.com/office/drawing/2010/main" xmlns="">
+              <a14:hiddenFill xmlns="" xmlns:a14="http://schemas.microsoft.com/office/drawing/2010/main">
                 <a:solidFill>
                   <a:srgbClr val="FFFFFF"/>
                 </a:solidFill>
               </a14:hiddenFill>
             </a:ext>
             <a:ext uri="{91240B29-F687-4f45-9708-019B960494DF}">
-              <a14:hiddenLine xmlns:a14="http://schemas.microsoft.com/office/drawing/2010/main" xmlns="" w="9525">
+              <a14:hiddenLine xmlns="" xmlns:a14="http://schemas.microsoft.com/office/drawing/2010/main" w="9525">
                 <a:solidFill>
                   <a:srgbClr val="000000"/>
                 </a:solidFill>
@@ -1110,7 +1110,7 @@
               <a:pPr>
                 <a:defRPr/>
               </a:pPr>
-              <a:t>5/21/2015</a:t>
+              <a:t>3/25/16</a:t>
             </a:fld>
             <a:endParaRPr lang="en-US" altLang="zh-CN"/>
           </a:p>
@@ -1325,7 +1325,7 @@
               <a:pPr>
                 <a:defRPr/>
               </a:pPr>
-              <a:t>5/21/2015</a:t>
+              <a:t>3/25/16</a:t>
             </a:fld>
             <a:endParaRPr lang="en-US" altLang="zh-CN"/>
           </a:p>
@@ -1532,7 +1532,7 @@
               <a:pPr>
                 <a:defRPr/>
               </a:pPr>
-              <a:t>5/21/2015</a:t>
+              <a:t>3/25/16</a:t>
             </a:fld>
             <a:endParaRPr lang="en-US" altLang="zh-CN"/>
           </a:p>
@@ -1770,14 +1770,14 @@
           </a:ln>
           <a:extLst>
             <a:ext uri="{909E8E84-426E-40dd-AFC4-6F175D3DCCD1}">
-              <a14:hiddenFill xmlns:a14="http://schemas.microsoft.com/office/drawing/2010/main" xmlns="">
+              <a14:hiddenFill xmlns="" xmlns:a14="http://schemas.microsoft.com/office/drawing/2010/main">
                 <a:solidFill>
                   <a:srgbClr val="FFFFFF"/>
                 </a:solidFill>
               </a14:hiddenFill>
             </a:ext>
             <a:ext uri="{91240B29-F687-4f45-9708-019B960494DF}">
-              <a14:hiddenLine xmlns:a14="http://schemas.microsoft.com/office/drawing/2010/main" xmlns="" w="9525">
+              <a14:hiddenLine xmlns="" xmlns:a14="http://schemas.microsoft.com/office/drawing/2010/main" w="9525">
                 <a:solidFill>
                   <a:srgbClr val="000000"/>
                 </a:solidFill>
@@ -1992,7 +1992,7 @@
               <a:pPr>
                 <a:defRPr/>
               </a:pPr>
-              <a:t>5/21/2015</a:t>
+              <a:t>3/25/16</a:t>
             </a:fld>
             <a:endParaRPr lang="en-US" altLang="zh-CN"/>
           </a:p>
@@ -2265,7 +2265,7 @@
               <a:pPr>
                 <a:defRPr/>
               </a:pPr>
-              <a:t>5/21/2015</a:t>
+              <a:t>3/25/16</a:t>
             </a:fld>
             <a:endParaRPr lang="en-US" altLang="zh-CN"/>
           </a:p>
@@ -2580,7 +2580,7 @@
               <a:pPr>
                 <a:defRPr/>
               </a:pPr>
-              <a:t>5/21/2015</a:t>
+              <a:t>3/25/16</a:t>
             </a:fld>
             <a:endParaRPr lang="en-US" altLang="zh-CN"/>
           </a:p>
@@ -3029,7 +3029,7 @@
               <a:pPr>
                 <a:defRPr/>
               </a:pPr>
-              <a:t>5/21/2015</a:t>
+              <a:t>3/25/16</a:t>
             </a:fld>
             <a:endParaRPr lang="en-US" altLang="zh-CN"/>
           </a:p>
@@ -3174,7 +3174,7 @@
               <a:pPr>
                 <a:defRPr/>
               </a:pPr>
-              <a:t>5/21/2015</a:t>
+              <a:t>3/25/16</a:t>
             </a:fld>
             <a:endParaRPr lang="en-US" altLang="zh-CN"/>
           </a:p>
@@ -3296,7 +3296,7 @@
               <a:pPr>
                 <a:defRPr/>
               </a:pPr>
-              <a:t>5/21/2015</a:t>
+              <a:t>3/25/16</a:t>
             </a:fld>
             <a:endParaRPr lang="en-US" altLang="zh-CN"/>
           </a:p>
@@ -3600,7 +3600,7 @@
               <a:pPr>
                 <a:defRPr/>
               </a:pPr>
-              <a:t>5/21/2015</a:t>
+              <a:t>3/25/16</a:t>
             </a:fld>
             <a:endParaRPr lang="en-US" altLang="zh-CN"/>
           </a:p>
@@ -3883,7 +3883,7 @@
               <a:pPr>
                 <a:defRPr/>
               </a:pPr>
-              <a:t>5/21/2015</a:t>
+              <a:t>3/25/16</a:t>
             </a:fld>
             <a:endParaRPr lang="en-US" altLang="zh-CN"/>
           </a:p>
@@ -4007,14 +4007,14 @@
           </a:ln>
           <a:extLst>
             <a:ext uri="{909E8E84-426E-40dd-AFC4-6F175D3DCCD1}">
-              <a14:hiddenFill xmlns:a14="http://schemas.microsoft.com/office/drawing/2010/main" xmlns="">
+              <a14:hiddenFill xmlns="" xmlns:a14="http://schemas.microsoft.com/office/drawing/2010/main">
                 <a:solidFill>
                   <a:srgbClr val="FFFFFF"/>
                 </a:solidFill>
               </a14:hiddenFill>
             </a:ext>
             <a:ext uri="{91240B29-F687-4f45-9708-019B960494DF}">
-              <a14:hiddenLine xmlns:a14="http://schemas.microsoft.com/office/drawing/2010/main" xmlns="" w="9525">
+              <a14:hiddenLine xmlns="" xmlns:a14="http://schemas.microsoft.com/office/drawing/2010/main" w="9525">
                 <a:solidFill>
                   <a:srgbClr val="000000"/>
                 </a:solidFill>
@@ -4065,14 +4065,14 @@
           </a:ln>
           <a:extLst>
             <a:ext uri="{909E8E84-426E-40dd-AFC4-6F175D3DCCD1}">
-              <a14:hiddenFill xmlns:a14="http://schemas.microsoft.com/office/drawing/2010/main" xmlns="">
+              <a14:hiddenFill xmlns="" xmlns:a14="http://schemas.microsoft.com/office/drawing/2010/main">
                 <a:solidFill>
                   <a:srgbClr val="FFFFFF"/>
                 </a:solidFill>
               </a14:hiddenFill>
             </a:ext>
             <a:ext uri="{91240B29-F687-4f45-9708-019B960494DF}">
-              <a14:hiddenLine xmlns:a14="http://schemas.microsoft.com/office/drawing/2010/main" xmlns="" w="9525">
+              <a14:hiddenLine xmlns="" xmlns:a14="http://schemas.microsoft.com/office/drawing/2010/main" w="9525">
                 <a:solidFill>
                   <a:srgbClr val="000000"/>
                 </a:solidFill>
@@ -4171,7 +4171,7 @@
               <a:pPr>
                 <a:defRPr/>
               </a:pPr>
-              <a:t>5/21/2015</a:t>
+              <a:t>3/25/16</a:t>
             </a:fld>
             <a:endParaRPr lang="en-US" altLang="zh-CN"/>
           </a:p>
@@ -4751,9 +4751,10 @@
           </a:p>
           <a:p>
             <a:r>
-              <a:rPr lang="en-US" dirty="0"/>
-              <a:t>Yan Jin (yanjin@uw.edu)</a:t>
-            </a:r>
+              <a:rPr lang="en-US" dirty="0" smtClean="0"/>
+              <a:t>Ning Li(ningli30@uw.edu)</a:t>
+            </a:r>
+            <a:endParaRPr lang="en-US" dirty="0"/>
           </a:p>
           <a:p>
             <a:r>
@@ -6532,7 +6533,6 @@
               <a:rPr lang="en-US" altLang="zh-CN" sz="2400" dirty="0" smtClean="0"/>
               <a:t> function prints out a confidence interval as well.</a:t>
             </a:r>
-            <a:endParaRPr lang="en-US" altLang="zh-CN" sz="2400" dirty="0" smtClean="0"/>
           </a:p>
         </p:txBody>
       </p:sp>
@@ -6657,7 +6657,6 @@
               <a:rPr lang="en-US" altLang="zh-CN" sz="2400" dirty="0" smtClean="0"/>
               <a:t>). We want to perform a two sample t-test for comparing the means of the treatment and control groups.</a:t>
             </a:r>
-            <a:endParaRPr lang="en-US" altLang="zh-CN" sz="2400" dirty="0" smtClean="0"/>
           </a:p>
         </p:txBody>
       </p:sp>
@@ -6957,7 +6956,6 @@
               <a:rPr lang="en-US" altLang="zh-CN" sz="2400" dirty="0" smtClean="0"/>
               <a:t>There are many experimental settings where each subject in the study is in both the treatment and control group. For example, in a matched pairs design, subjects are matched in pairs and different treatments are given to each subject in the pair. The outcomes are thereafter compared pair-wise. Alternatively, one can measure each subject twice, before and after a treatment. In either of these situations we cannot use two sample t tests since the independence assumption is not valid. Instead we need to use a paired t-test. This can be done using the option paired=TRUE.</a:t>
             </a:r>
-            <a:endParaRPr lang="en-US" altLang="zh-CN" sz="2400" dirty="0" smtClean="0"/>
           </a:p>
         </p:txBody>
       </p:sp>
@@ -7048,13 +7046,8 @@
           <a:p>
             <a:r>
               <a:rPr lang="en-US" altLang="zh-CN" sz="2400" dirty="0" smtClean="0"/>
-              <a:t>A study was performed to test whether cars get better mileage on premium gas tha</a:t>
-            </a:r>
-            <a:r>
-              <a:rPr lang="en-US" altLang="zh-CN" sz="2400" dirty="0" smtClean="0"/>
-              <a:t>n on regular gas. Each of 10 cars was first filled with either regular or premium gas, decided by a coin toss, and the mileage for that tank was recorded. The mileage was recorded again for the same cars using the other kind of gasoline. We use a paired t-test to determine whether cars get significantly better mileage with premium gas.</a:t>
-            </a:r>
-            <a:endParaRPr lang="en-US" altLang="zh-CN" sz="2400" dirty="0" smtClean="0"/>
+              <a:t>A study was performed to test whether cars get better mileage on premium gas than on regular gas. Each of 10 cars was first filled with either regular or premium gas, decided by a coin toss, and the mileage for that tank was recorded. The mileage was recorded again for the same cars using the other kind of gasoline. We use a paired t-test to determine whether cars get significantly better mileage with premium gas.</a:t>
+            </a:r>
           </a:p>
         </p:txBody>
       </p:sp>
